--- a/Docs/presentation/AViS_apresentacao_v3.pptx
+++ b/Docs/presentation/AViS_apresentacao_v3.pptx
@@ -616,7 +616,7 @@
           <a:p>
             <a:r>
               <a:rPr lang="pt-BR" dirty="0"/>
-              <a:t>Em educação, pode-se simular qualquer ambiente. Isso pode ser particularmente útil no ensino de língua.</a:t>
+              <a:t>Para EAD, isso significaria pode-se simular qualquer ambiente. Isso pode ser particularmente útil no ensino de língua.</a:t>
             </a:r>
           </a:p>
         </p:txBody>
@@ -790,15 +790,7 @@
           <a:p>
             <a:r>
               <a:rPr lang="pt-BR" dirty="0"/>
-              <a:t>Nossos recursos, contudo, tem limites muito bem definidos. Foi preciso tirar a cabeça das nuvens e colocar os pés no chão para definir um escopo executável. Por isso adotamos a estratégia de desenvolvimento MVP. O MVP deve contemplar, de maneira </a:t>
-            </a:r>
-            <a:r>
-              <a:rPr lang="pt-BR" dirty="0" err="1"/>
-              <a:t>minimalística</a:t>
-            </a:r>
-            <a:r>
-              <a:rPr lang="pt-BR" dirty="0"/>
-              <a:t>, apenas as funcionalidades que contribuam para demonstrar e validar a experiência proposta. Ele contem apenas as funcionalidades sobre as quais se apoia o paradigma de experiência do usuário que estamos propondo.</a:t>
+              <a:t>Nossos recursos, contudo, tem limites muito bem definidos. Foi preciso tirar a cabeça das nuvens e colocar os pés no chão para definir um escopo executável. Por isso adotamos a estratégia de desenvolvimento MVP. O MVP deve contemplar, de maneira minimalista, apenas as funcionalidades que contribuam para demonstrar e validar a experiência proposta. Ele contem apenas as funcionalidades sobre as quais se apoia o paradigma de experiência do usuário que estamos propondo.</a:t>
             </a:r>
           </a:p>
         </p:txBody>
@@ -1539,7 +1531,7 @@
           <a:p>
             <a:r>
               <a:rPr lang="pt-BR" dirty="0"/>
-              <a:t>Nós acreditamos que qualquer passo dado na direção de melhorar essa experiência é válido e merece esforço e tempo de pesquisa.</a:t>
+              <a:t>Qualquer passo dado na direção de melhorar essa experiência é válido e merece esforço e tempo de pesquisa.</a:t>
             </a:r>
           </a:p>
         </p:txBody>

--- a/Docs/presentation/AViS_apresentacao_v3.pptx
+++ b/Docs/presentation/AViS_apresentacao_v3.pptx
@@ -970,6 +970,14 @@
           <a:bodyPr/>
           <a:lstStyle/>
           <a:p>
+            <a:r>
+              <a:rPr lang="pt-BR" dirty="0"/>
+              <a:t>Primeiramente, vamos descrever a problemática a que este trabalho </a:t>
+            </a:r>
+            <a:r>
+              <a:rPr lang="pt-BR"/>
+              <a:t>se endereça.</a:t>
+            </a:r>
             <a:endParaRPr lang="pt-BR" dirty="0"/>
           </a:p>
         </p:txBody>
